--- a/inflearn06/doc/6.(심화)암호화 키 저장 위치.pptx
+++ b/inflearn06/doc/6.(심화)암호화 키 저장 위치.pptx
@@ -639,7 +639,7 @@
                 <a:latin typeface="맑은 고딕" panose="020B0503020000020004" pitchFamily="50" charset="-127"/>
                 <a:ea typeface="맑은 고딕" panose="020B0503020000020004" pitchFamily="50" charset="-127"/>
               </a:rPr>
-              <a:t>2021년 8월 6일</a:t>
+              <a:t>2021년 8월 7일</a:t>
             </a:fld>
             <a:endParaRPr lang="ko-KR" altLang="en-US">
               <a:latin typeface="맑은 고딕" panose="020B0503020000020004" pitchFamily="50" charset="-127"/>
@@ -825,7 +825,7 @@
             <a:fld id="{BE16EC8A-0758-4FA9-BF4D-3119057076D1}" type="datetime4">
               <a:rPr lang="ko-KR" altLang="en-US" smtClean="0"/>
               <a:pPr/>
-              <a:t>2021년 8월 6일</a:t>
+              <a:t>2021년 8월 7일</a:t>
             </a:fld>
             <a:endParaRPr lang="ko-KR" altLang="en-US"/>
           </a:p>
@@ -3307,7 +3307,7 @@
           <a:p>
             <a:fld id="{2A5B65E4-62A8-4988-B07B-5D6D443B14ED}" type="datetime4">
               <a:rPr lang="ko-KR" altLang="en-US" smtClean="0"/>
-              <a:t>2021년 8월 6일</a:t>
+              <a:t>2021년 8월 7일</a:t>
             </a:fld>
             <a:endParaRPr lang="ko-KR" altLang="en-US"/>
           </a:p>
@@ -3563,7 +3563,7 @@
           <a:p>
             <a:fld id="{58EB6286-0DE7-4336-9826-977AD102FCF2}" type="datetime4">
               <a:rPr lang="ko-KR" altLang="en-US" noProof="0" smtClean="0"/>
-              <a:t>2021년 8월 6일</a:t>
+              <a:t>2021년 8월 7일</a:t>
             </a:fld>
             <a:endParaRPr lang="ko-KR" altLang="en-US" noProof="0"/>
           </a:p>
@@ -3759,7 +3759,7 @@
             <a:pPr rtl="0"/>
             <a:fld id="{6A5419DA-7218-42E5-A443-F000500111E1}" type="datetime4">
               <a:rPr lang="ko-KR" altLang="en-US" noProof="0" smtClean="0"/>
-              <a:t>2021년 8월 6일</a:t>
+              <a:t>2021년 8월 7일</a:t>
             </a:fld>
             <a:endParaRPr lang="ko-KR" altLang="en-US" noProof="0"/>
           </a:p>
@@ -6160,7 +6160,7 @@
           <a:p>
             <a:fld id="{E498C52F-1DF1-4226-BAB6-C1E2EE4C9D62}" type="datetime4">
               <a:rPr lang="ko-KR" altLang="en-US" noProof="0" smtClean="0"/>
-              <a:t>2021년 8월 6일</a:t>
+              <a:t>2021년 8월 7일</a:t>
             </a:fld>
             <a:endParaRPr lang="ko-KR" altLang="en-US" noProof="0"/>
           </a:p>
@@ -6679,7 +6679,7 @@
           <a:p>
             <a:fld id="{7B1E1FFC-F755-4558-8D3C-A157D1A01A8A}" type="datetime4">
               <a:rPr lang="ko-KR" altLang="en-US" noProof="0" smtClean="0"/>
-              <a:t>2021년 8월 6일</a:t>
+              <a:t>2021년 8월 7일</a:t>
             </a:fld>
             <a:endParaRPr lang="ko-KR" altLang="en-US" noProof="0"/>
           </a:p>
@@ -6823,7 +6823,7 @@
             <a:pPr rtl="0"/>
             <a:fld id="{DA2A33C0-A4A8-4C90-B6DA-35B8CF58C816}" type="datetime4">
               <a:rPr lang="ko-KR" altLang="en-US" noProof="0" smtClean="0"/>
-              <a:t>2021년 8월 6일</a:t>
+              <a:t>2021년 8월 7일</a:t>
             </a:fld>
             <a:endParaRPr lang="ko-KR" altLang="en-US" noProof="0"/>
           </a:p>
@@ -8771,7 +8771,7 @@
           <a:p>
             <a:fld id="{53CB1B8F-A14A-4BE4-A9B9-3B263F04145C}" type="datetime4">
               <a:rPr lang="ko-KR" altLang="en-US" noProof="0" smtClean="0"/>
-              <a:t>2021년 8월 6일</a:t>
+              <a:t>2021년 8월 7일</a:t>
             </a:fld>
             <a:endParaRPr lang="ko-KR" altLang="en-US" noProof="0"/>
           </a:p>
@@ -11068,7 +11068,7 @@
           <a:p>
             <a:fld id="{5B9196A3-957C-4113-A568-B6ED9AEA3D01}" type="datetime4">
               <a:rPr lang="ko-KR" altLang="en-US" noProof="0" smtClean="0"/>
-              <a:t>2021년 8월 6일</a:t>
+              <a:t>2021년 8월 7일</a:t>
             </a:fld>
             <a:endParaRPr lang="ko-KR" altLang="en-US" noProof="0"/>
           </a:p>
@@ -15385,7 +15385,7 @@
           <a:p>
             <a:fld id="{28BEB146-D335-4DA5-9826-58595BCDBE2E}" type="datetime4">
               <a:rPr lang="ko-KR" altLang="en-US" noProof="0" smtClean="0"/>
-              <a:t>2021년 8월 6일</a:t>
+              <a:t>2021년 8월 7일</a:t>
             </a:fld>
             <a:endParaRPr lang="ko-KR" altLang="en-US" noProof="0"/>
           </a:p>
@@ -16319,7 +16319,7 @@
         </p:nvSpPr>
         <p:spPr>
           <a:xfrm>
-            <a:off x="4869818" y="4797536"/>
+            <a:off x="4869818" y="4779577"/>
             <a:ext cx="1768307" cy="369332"/>
           </a:xfrm>
           <a:prstGeom prst="rect">
@@ -16644,7 +16644,7 @@
         </p:nvSpPr>
         <p:spPr>
           <a:xfrm>
-            <a:off x="4869818" y="4797536"/>
+            <a:off x="4869817" y="4783576"/>
             <a:ext cx="1768307" cy="369332"/>
           </a:xfrm>
           <a:prstGeom prst="rect">
@@ -16762,6 +16762,62 @@
           </a:prstGeom>
         </p:spPr>
       </p:pic>
+      <p:sp>
+        <p:nvSpPr>
+          <p:cNvPr id="8" name="TextBox 7">
+            <a:extLst>
+              <a:ext uri="{FF2B5EF4-FFF2-40B4-BE49-F238E27FC236}">
+                <a16:creationId xmlns:a16="http://schemas.microsoft.com/office/drawing/2014/main" id="{AFCE0897-74C5-4B59-A948-121B59915D6E}"/>
+              </a:ext>
+            </a:extLst>
+          </p:cNvPr>
+          <p:cNvSpPr txBox="1"/>
+          <p:nvPr/>
+        </p:nvSpPr>
+        <p:spPr>
+          <a:xfrm>
+            <a:off x="4869817" y="5514242"/>
+            <a:ext cx="1768307" cy="369332"/>
+          </a:xfrm>
+          <a:prstGeom prst="rect">
+            <a:avLst/>
+          </a:prstGeom>
+        </p:spPr>
+        <p:style>
+          <a:lnRef idx="2">
+            <a:schemeClr val="dk1">
+              <a:shade val="50000"/>
+            </a:schemeClr>
+          </a:lnRef>
+          <a:fillRef idx="1">
+            <a:schemeClr val="dk1"/>
+          </a:fillRef>
+          <a:effectRef idx="0">
+            <a:schemeClr val="dk1"/>
+          </a:effectRef>
+          <a:fontRef idx="minor">
+            <a:schemeClr val="lt1"/>
+          </a:fontRef>
+        </p:style>
+        <p:txBody>
+          <a:bodyPr wrap="square" rtlCol="0">
+            <a:spAutoFit/>
+          </a:bodyPr>
+          <a:lstStyle/>
+          <a:p>
+            <a:pPr algn="ctr"/>
+            <a:r>
+              <a:rPr lang="ko-KR" altLang="en-US"/>
+              <a:t>암호화된 </a:t>
+            </a:r>
+            <a:r>
+              <a:rPr lang="en-US" altLang="ko-KR"/>
+              <a:t>KEY</a:t>
+            </a:r>
+            <a:endParaRPr lang="ko-KR" altLang="en-US"/>
+          </a:p>
+        </p:txBody>
+      </p:sp>
     </p:spTree>
     <p:extLst>
       <p:ext uri="{BB962C8B-B14F-4D97-AF65-F5344CB8AC3E}">

--- a/inflearn06/doc/6.(심화)암호화 키 저장 위치.pptx
+++ b/inflearn06/doc/6.(심화)암호화 키 저장 위치.pptx
@@ -639,7 +639,7 @@
                 <a:latin typeface="맑은 고딕" panose="020B0503020000020004" pitchFamily="50" charset="-127"/>
                 <a:ea typeface="맑은 고딕" panose="020B0503020000020004" pitchFamily="50" charset="-127"/>
               </a:rPr>
-              <a:t>2021년 8월 7일</a:t>
+              <a:t>2021년 8월 16일</a:t>
             </a:fld>
             <a:endParaRPr lang="ko-KR" altLang="en-US">
               <a:latin typeface="맑은 고딕" panose="020B0503020000020004" pitchFamily="50" charset="-127"/>
@@ -825,7 +825,7 @@
             <a:fld id="{BE16EC8A-0758-4FA9-BF4D-3119057076D1}" type="datetime4">
               <a:rPr lang="ko-KR" altLang="en-US" smtClean="0"/>
               <a:pPr/>
-              <a:t>2021년 8월 7일</a:t>
+              <a:t>2021년 8월 16일</a:t>
             </a:fld>
             <a:endParaRPr lang="ko-KR" altLang="en-US"/>
           </a:p>
@@ -3307,7 +3307,7 @@
           <a:p>
             <a:fld id="{2A5B65E4-62A8-4988-B07B-5D6D443B14ED}" type="datetime4">
               <a:rPr lang="ko-KR" altLang="en-US" smtClean="0"/>
-              <a:t>2021년 8월 7일</a:t>
+              <a:t>2021년 8월 16일</a:t>
             </a:fld>
             <a:endParaRPr lang="ko-KR" altLang="en-US"/>
           </a:p>
@@ -3563,7 +3563,7 @@
           <a:p>
             <a:fld id="{58EB6286-0DE7-4336-9826-977AD102FCF2}" type="datetime4">
               <a:rPr lang="ko-KR" altLang="en-US" noProof="0" smtClean="0"/>
-              <a:t>2021년 8월 7일</a:t>
+              <a:t>2021년 8월 16일</a:t>
             </a:fld>
             <a:endParaRPr lang="ko-KR" altLang="en-US" noProof="0"/>
           </a:p>
@@ -3759,7 +3759,7 @@
             <a:pPr rtl="0"/>
             <a:fld id="{6A5419DA-7218-42E5-A443-F000500111E1}" type="datetime4">
               <a:rPr lang="ko-KR" altLang="en-US" noProof="0" smtClean="0"/>
-              <a:t>2021년 8월 7일</a:t>
+              <a:t>2021년 8월 16일</a:t>
             </a:fld>
             <a:endParaRPr lang="ko-KR" altLang="en-US" noProof="0"/>
           </a:p>
@@ -6160,7 +6160,7 @@
           <a:p>
             <a:fld id="{E498C52F-1DF1-4226-BAB6-C1E2EE4C9D62}" type="datetime4">
               <a:rPr lang="ko-KR" altLang="en-US" noProof="0" smtClean="0"/>
-              <a:t>2021년 8월 7일</a:t>
+              <a:t>2021년 8월 16일</a:t>
             </a:fld>
             <a:endParaRPr lang="ko-KR" altLang="en-US" noProof="0"/>
           </a:p>
@@ -6679,7 +6679,7 @@
           <a:p>
             <a:fld id="{7B1E1FFC-F755-4558-8D3C-A157D1A01A8A}" type="datetime4">
               <a:rPr lang="ko-KR" altLang="en-US" noProof="0" smtClean="0"/>
-              <a:t>2021년 8월 7일</a:t>
+              <a:t>2021년 8월 16일</a:t>
             </a:fld>
             <a:endParaRPr lang="ko-KR" altLang="en-US" noProof="0"/>
           </a:p>
@@ -6823,7 +6823,7 @@
             <a:pPr rtl="0"/>
             <a:fld id="{DA2A33C0-A4A8-4C90-B6DA-35B8CF58C816}" type="datetime4">
               <a:rPr lang="ko-KR" altLang="en-US" noProof="0" smtClean="0"/>
-              <a:t>2021년 8월 7일</a:t>
+              <a:t>2021년 8월 16일</a:t>
             </a:fld>
             <a:endParaRPr lang="ko-KR" altLang="en-US" noProof="0"/>
           </a:p>
@@ -8771,7 +8771,7 @@
           <a:p>
             <a:fld id="{53CB1B8F-A14A-4BE4-A9B9-3B263F04145C}" type="datetime4">
               <a:rPr lang="ko-KR" altLang="en-US" noProof="0" smtClean="0"/>
-              <a:t>2021년 8월 7일</a:t>
+              <a:t>2021년 8월 16일</a:t>
             </a:fld>
             <a:endParaRPr lang="ko-KR" altLang="en-US" noProof="0"/>
           </a:p>
@@ -11068,7 +11068,7 @@
           <a:p>
             <a:fld id="{5B9196A3-957C-4113-A568-B6ED9AEA3D01}" type="datetime4">
               <a:rPr lang="ko-KR" altLang="en-US" noProof="0" smtClean="0"/>
-              <a:t>2021년 8월 7일</a:t>
+              <a:t>2021년 8월 16일</a:t>
             </a:fld>
             <a:endParaRPr lang="ko-KR" altLang="en-US" noProof="0"/>
           </a:p>
@@ -15385,7 +15385,7 @@
           <a:p>
             <a:fld id="{28BEB146-D335-4DA5-9826-58595BCDBE2E}" type="datetime4">
               <a:rPr lang="ko-KR" altLang="en-US" noProof="0" smtClean="0"/>
-              <a:t>2021년 8월 7일</a:t>
+              <a:t>2021년 8월 16일</a:t>
             </a:fld>
             <a:endParaRPr lang="ko-KR" altLang="en-US" noProof="0"/>
           </a:p>
@@ -16167,7 +16167,7 @@
           <a:p>
             <a:r>
               <a:rPr lang="ko-KR" altLang="en-US"/>
-              <a:t>암호화 키 저장 위치</a:t>
+              <a:t>비밀키 저장 위치</a:t>
             </a:r>
           </a:p>
         </p:txBody>
@@ -16196,18 +16196,61 @@
           <a:lstStyle/>
           <a:p>
             <a:r>
+              <a:rPr lang="en-US" altLang="ko-KR">
+                <a:solidFill>
+                  <a:srgbClr val="FF0000"/>
+                </a:solidFill>
+              </a:rPr>
+              <a:t>WAS</a:t>
+            </a:r>
+            <a:r>
               <a:rPr lang="ko-KR" altLang="en-US">
                 <a:solidFill>
                   <a:srgbClr val="FF0000"/>
                 </a:solidFill>
               </a:rPr>
-              <a:t>닭과 달걀중 어느것을 선택해야 하는지 고민</a:t>
+              <a:t> 와 </a:t>
+            </a:r>
+            <a:r>
+              <a:rPr lang="en-US" altLang="ko-KR">
+                <a:solidFill>
+                  <a:srgbClr val="FF0000"/>
+                </a:solidFill>
+              </a:rPr>
+              <a:t>DBMS 2</a:t>
+            </a:r>
+            <a:r>
+              <a:rPr lang="ko-KR" altLang="en-US">
+                <a:solidFill>
+                  <a:srgbClr val="FF0000"/>
+                </a:solidFill>
+              </a:rPr>
+              <a:t>개의 컴퓨터를 사용할때</a:t>
             </a:r>
             <a:endParaRPr lang="en-US" altLang="ko-KR">
               <a:solidFill>
                 <a:srgbClr val="FF0000"/>
               </a:solidFill>
             </a:endParaRPr>
+          </a:p>
+          <a:p>
+            <a:pPr lvl="1"/>
+            <a:r>
+              <a:rPr lang="ko-KR" altLang="en-US">
+                <a:solidFill>
+                  <a:srgbClr val="FF0000"/>
+                </a:solidFill>
+              </a:rPr>
+              <a:t>데이터를 보호하기 위한 비밀키의 위치는</a:t>
+            </a:r>
+            <a:r>
+              <a:rPr lang="en-US" altLang="ko-KR">
+                <a:solidFill>
+                  <a:srgbClr val="FF0000"/>
+                </a:solidFill>
+              </a:rPr>
+              <a:t>?</a:t>
+            </a:r>
           </a:p>
           <a:p>
             <a:r>
@@ -16219,7 +16262,7 @@
             <a:pPr lvl="1"/>
             <a:r>
               <a:rPr lang="ko-KR" altLang="en-US"/>
-              <a:t>데이터를 사용</a:t>
+              <a:t>일부 데이터를 사용</a:t>
             </a:r>
             <a:r>
               <a:rPr lang="en-US" altLang="ko-KR"/>
@@ -16227,7 +16270,7 @@
             </a:r>
             <a:r>
               <a:rPr lang="ko-KR" altLang="en-US"/>
-              <a:t>서비스코드 실행 결과</a:t>
+              <a:t>필요한 데이터만 메모리에 보관</a:t>
             </a:r>
             <a:endParaRPr lang="en-US" altLang="ko-KR"/>
           </a:p>
@@ -16241,7 +16284,7 @@
             <a:pPr lvl="1"/>
             <a:r>
               <a:rPr lang="ko-KR" altLang="en-US"/>
-              <a:t>데이터를 보관</a:t>
+              <a:t>전체 데이터를 보관</a:t>
             </a:r>
             <a:r>
               <a:rPr lang="en-US" altLang="ko-KR"/>
@@ -16249,9 +16292,36 @@
             </a:r>
             <a:r>
               <a:rPr lang="ko-KR" altLang="en-US"/>
-              <a:t>영속성을 위한 파일관리</a:t>
+              <a:t>영속성을 위한 파일저장</a:t>
             </a:r>
             <a:endParaRPr lang="en-US" altLang="ko-KR"/>
+          </a:p>
+          <a:p>
+            <a:r>
+              <a:rPr lang="en-US" altLang="ko-KR"/>
+              <a:t>WAS </a:t>
+            </a:r>
+            <a:r>
+              <a:rPr lang="ko-KR" altLang="en-US"/>
+              <a:t>에 비밀키를 저장하고 사용함이 안전</a:t>
+            </a:r>
+            <a:endParaRPr lang="en-US" altLang="ko-KR"/>
+          </a:p>
+          <a:p>
+            <a:pPr lvl="1"/>
+            <a:r>
+              <a:rPr lang="ko-KR" altLang="en-US">
+                <a:solidFill>
+                  <a:srgbClr val="FF0000"/>
+                </a:solidFill>
+              </a:rPr>
+              <a:t>스토리지에 저장된 비밀키를 보호할 방법이 필요</a:t>
+            </a:r>
+            <a:endParaRPr lang="en-US" altLang="ko-KR">
+              <a:solidFill>
+                <a:srgbClr val="FF0000"/>
+              </a:solidFill>
+            </a:endParaRPr>
           </a:p>
         </p:txBody>
       </p:sp>
@@ -16269,8 +16339,8 @@
         </p:nvSpPr>
         <p:spPr>
           <a:xfrm>
-            <a:off x="1896273" y="4783576"/>
-            <a:ext cx="1768307" cy="369332"/>
+            <a:off x="8176974" y="3522629"/>
+            <a:ext cx="934537" cy="369332"/>
           </a:xfrm>
           <a:prstGeom prst="rect">
             <a:avLst/>
@@ -16319,8 +16389,8 @@
         </p:nvSpPr>
         <p:spPr>
           <a:xfrm>
-            <a:off x="4869818" y="4779577"/>
-            <a:ext cx="1768307" cy="369332"/>
+            <a:off x="10046048" y="3522629"/>
+            <a:ext cx="934537" cy="369332"/>
           </a:xfrm>
           <a:prstGeom prst="rect">
             <a:avLst/>
@@ -16369,8 +16439,8 @@
         </p:nvSpPr>
         <p:spPr>
           <a:xfrm>
-            <a:off x="3444705" y="5514242"/>
-            <a:ext cx="1768307" cy="369332"/>
+            <a:off x="8176974" y="4226924"/>
+            <a:ext cx="934537" cy="369332"/>
           </a:xfrm>
           <a:prstGeom prst="rect">
             <a:avLst/>
@@ -16400,10 +16470,67 @@
           <a:p>
             <a:pPr algn="ctr"/>
             <a:r>
-              <a:rPr lang="en-US" altLang="ko-KR"/>
-              <a:t>KEY</a:t>
+              <a:rPr lang="ko-KR" altLang="en-US"/>
+              <a:t>비밀키</a:t>
             </a:r>
-            <a:endParaRPr lang="ko-KR" altLang="en-US"/>
+          </a:p>
+        </p:txBody>
+      </p:sp>
+      <p:sp>
+        <p:nvSpPr>
+          <p:cNvPr id="7" name="TextBox 6">
+            <a:extLst>
+              <a:ext uri="{FF2B5EF4-FFF2-40B4-BE49-F238E27FC236}">
+                <a16:creationId xmlns:a16="http://schemas.microsoft.com/office/drawing/2014/main" id="{5C2F1361-73E7-4CD1-B5BA-81927232A078}"/>
+              </a:ext>
+            </a:extLst>
+          </p:cNvPr>
+          <p:cNvSpPr txBox="1"/>
+          <p:nvPr/>
+        </p:nvSpPr>
+        <p:spPr>
+          <a:xfrm>
+            <a:off x="8068631" y="4931219"/>
+            <a:ext cx="1151221" cy="415498"/>
+          </a:xfrm>
+          <a:prstGeom prst="rect">
+            <a:avLst/>
+          </a:prstGeom>
+        </p:spPr>
+        <p:style>
+          <a:lnRef idx="2">
+            <a:schemeClr val="dk1">
+              <a:shade val="50000"/>
+            </a:schemeClr>
+          </a:lnRef>
+          <a:fillRef idx="1">
+            <a:schemeClr val="dk1"/>
+          </a:fillRef>
+          <a:effectRef idx="0">
+            <a:schemeClr val="dk1"/>
+          </a:effectRef>
+          <a:fontRef idx="minor">
+            <a:schemeClr val="lt1"/>
+          </a:fontRef>
+        </p:style>
+        <p:txBody>
+          <a:bodyPr wrap="square" rtlCol="0">
+            <a:spAutoFit/>
+          </a:bodyPr>
+          <a:lstStyle/>
+          <a:p>
+            <a:pPr algn="ctr"/>
+            <a:r>
+              <a:rPr lang="ko-KR" altLang="en-US" sz="1050"/>
+              <a:t>스토리지에</a:t>
+            </a:r>
+            <a:br>
+              <a:rPr lang="en-US" altLang="ko-KR" sz="1050"/>
+            </a:br>
+            <a:r>
+              <a:rPr lang="ko-KR" altLang="en-US" sz="1050"/>
+              <a:t>저장된 비밀키</a:t>
+            </a:r>
           </a:p>
         </p:txBody>
       </p:sp>
@@ -16472,7 +16599,7 @@
           <a:p>
             <a:r>
               <a:rPr lang="ko-KR" altLang="en-US"/>
-              <a:t>암호화 키 저장 위치</a:t>
+              <a:t>비밀키 저장 위치</a:t>
             </a:r>
           </a:p>
         </p:txBody>
@@ -16501,20 +16628,12 @@
           <a:lstStyle/>
           <a:p>
             <a:r>
-              <a:rPr lang="en-US" altLang="ko-KR">
-                <a:solidFill>
-                  <a:srgbClr val="FF0000"/>
-                </a:solidFill>
-              </a:rPr>
-              <a:t>WAS </a:t>
-            </a:r>
-            <a:r>
               <a:rPr lang="ko-KR" altLang="en-US">
                 <a:solidFill>
                   <a:srgbClr val="FF0000"/>
                 </a:solidFill>
               </a:rPr>
-              <a:t>에 비밀키 보관</a:t>
+              <a:t>비밀키 보관</a:t>
             </a:r>
             <a:endParaRPr lang="en-US" altLang="ko-KR">
               <a:solidFill>
@@ -16525,16 +16644,15 @@
           <a:p>
             <a:pPr lvl="1"/>
             <a:r>
-              <a:rPr lang="ko-KR" altLang="en-US"/>
-              <a:t>암호화 연산은 접근제어 정책으로 보호</a:t>
+              <a:rPr lang="en-US" altLang="ko-KR"/>
+              <a:t>DBMS</a:t>
             </a:r>
-            <a:endParaRPr lang="en-US" altLang="ko-KR"/>
           </a:p>
           <a:p>
-            <a:pPr lvl="1"/>
+            <a:pPr lvl="2"/>
             <a:r>
               <a:rPr lang="ko-KR" altLang="en-US"/>
-              <a:t>저장과 사용을 분리</a:t>
+              <a:t>암호화된 비밀키 보관</a:t>
             </a:r>
             <a:endParaRPr lang="en-US" altLang="ko-KR"/>
           </a:p>
@@ -16542,19 +16660,11 @@
             <a:pPr lvl="2"/>
             <a:r>
               <a:rPr lang="en-US" altLang="ko-KR"/>
-              <a:t>DBMS </a:t>
+              <a:t>ENC ( KEY, KEY2) </a:t>
             </a:r>
             <a:r>
               <a:rPr lang="ko-KR" altLang="en-US"/>
-              <a:t>공격시 데이터 보호</a:t>
-            </a:r>
-            <a:endParaRPr lang="en-US" altLang="ko-KR"/>
-          </a:p>
-          <a:p>
-            <a:pPr lvl="1"/>
-            <a:r>
-              <a:rPr lang="ko-KR" altLang="en-US"/>
-              <a:t>비밀키는 한번 더 암호화</a:t>
+              <a:t>결과만 스토리지 저장</a:t>
             </a:r>
             <a:endParaRPr lang="en-US" altLang="ko-KR"/>
           </a:p>
@@ -16562,30 +16672,78 @@
             <a:pPr lvl="1"/>
             <a:r>
               <a:rPr lang="en-US" altLang="ko-KR"/>
-              <a:t>HSM </a:t>
+              <a:t>WAS</a:t>
+            </a:r>
+          </a:p>
+          <a:p>
+            <a:pPr lvl="2"/>
+            <a:r>
+              <a:rPr lang="ko-KR" altLang="en-US"/>
+              <a:t>암호화 기능이 필요할때 비밀키를 메모리에 저장</a:t>
+            </a:r>
+            <a:endParaRPr lang="en-US" altLang="ko-KR"/>
+          </a:p>
+          <a:p>
+            <a:pPr lvl="2"/>
+            <a:r>
+              <a:rPr lang="en-US" altLang="ko-KR"/>
+              <a:t>KEY2</a:t>
             </a:r>
             <a:r>
               <a:rPr lang="ko-KR" altLang="en-US"/>
-              <a:t>또는 </a:t>
+              <a:t> 만 스토리지 저장</a:t>
             </a:r>
+            <a:endParaRPr lang="en-US" altLang="ko-KR"/>
+          </a:p>
+          <a:p>
+            <a:pPr lvl="2"/>
             <a:r>
               <a:rPr lang="en-US" altLang="ko-KR"/>
-              <a:t>KMS </a:t>
+              <a:t>DEC ( KEY, KEY2) = KEY</a:t>
             </a:r>
-            <a:r>
-              <a:rPr lang="ko-KR" altLang="en-US"/>
-              <a:t>도입시 쉽게 교체 가능</a:t>
-            </a:r>
+          </a:p>
+          <a:p>
+            <a:pPr lvl="2"/>
             <a:endParaRPr lang="en-US" altLang="ko-KR"/>
           </a:p>
         </p:txBody>
       </p:sp>
+      <p:pic>
+        <p:nvPicPr>
+          <p:cNvPr id="9" name="그림 8">
+            <a:extLst>
+              <a:ext uri="{FF2B5EF4-FFF2-40B4-BE49-F238E27FC236}">
+                <a16:creationId xmlns:a16="http://schemas.microsoft.com/office/drawing/2014/main" id="{ADF730B6-9056-47B0-BA21-0250525BD04B}"/>
+              </a:ext>
+            </a:extLst>
+          </p:cNvPr>
+          <p:cNvPicPr>
+            <a:picLocks noChangeAspect="1"/>
+          </p:cNvPicPr>
+          <p:nvPr/>
+        </p:nvPicPr>
+        <p:blipFill>
+          <a:blip r:embed="rId2"/>
+          <a:stretch>
+            <a:fillRect/>
+          </a:stretch>
+        </p:blipFill>
+        <p:spPr>
+          <a:xfrm>
+            <a:off x="7140308" y="2010867"/>
+            <a:ext cx="3467584" cy="647790"/>
+          </a:xfrm>
+          <a:prstGeom prst="rect">
+            <a:avLst/>
+          </a:prstGeom>
+        </p:spPr>
+      </p:pic>
       <p:sp>
         <p:nvSpPr>
-          <p:cNvPr id="4" name="TextBox 3">
+          <p:cNvPr id="16" name="TextBox 15">
             <a:extLst>
               <a:ext uri="{FF2B5EF4-FFF2-40B4-BE49-F238E27FC236}">
-                <a16:creationId xmlns:a16="http://schemas.microsoft.com/office/drawing/2014/main" id="{51BE5917-3107-45ED-AA04-4130CB53C445}"/>
+                <a16:creationId xmlns:a16="http://schemas.microsoft.com/office/drawing/2014/main" id="{DFA56073-DF1B-4CFE-9D3F-36D0C43A93BD}"/>
               </a:ext>
             </a:extLst>
           </p:cNvPr>
@@ -16594,8 +16752,8 @@
         </p:nvSpPr>
         <p:spPr>
           <a:xfrm>
-            <a:off x="1896273" y="4783576"/>
-            <a:ext cx="1768307" cy="369332"/>
+            <a:off x="8176974" y="3522629"/>
+            <a:ext cx="934537" cy="369332"/>
           </a:xfrm>
           <a:prstGeom prst="rect">
             <a:avLst/>
@@ -16632,10 +16790,10 @@
       </p:sp>
       <p:sp>
         <p:nvSpPr>
-          <p:cNvPr id="5" name="TextBox 4">
+          <p:cNvPr id="17" name="TextBox 16">
             <a:extLst>
               <a:ext uri="{FF2B5EF4-FFF2-40B4-BE49-F238E27FC236}">
-                <a16:creationId xmlns:a16="http://schemas.microsoft.com/office/drawing/2014/main" id="{122E8E97-D28A-4BFE-8D5B-428E6BCF8CAE}"/>
+                <a16:creationId xmlns:a16="http://schemas.microsoft.com/office/drawing/2014/main" id="{C638A636-66C1-4EE0-A129-EA7858D4ED75}"/>
               </a:ext>
             </a:extLst>
           </p:cNvPr>
@@ -16644,8 +16802,8 @@
         </p:nvSpPr>
         <p:spPr>
           <a:xfrm>
-            <a:off x="4869817" y="4783576"/>
-            <a:ext cx="1768307" cy="369332"/>
+            <a:off x="10046048" y="3522629"/>
+            <a:ext cx="934537" cy="369332"/>
           </a:xfrm>
           <a:prstGeom prst="rect">
             <a:avLst/>
@@ -16682,10 +16840,10 @@
       </p:sp>
       <p:sp>
         <p:nvSpPr>
-          <p:cNvPr id="6" name="TextBox 5">
+          <p:cNvPr id="23" name="TextBox 22">
             <a:extLst>
               <a:ext uri="{FF2B5EF4-FFF2-40B4-BE49-F238E27FC236}">
-                <a16:creationId xmlns:a16="http://schemas.microsoft.com/office/drawing/2014/main" id="{D38E8C17-1303-43DF-A038-8D0DC76978F9}"/>
+                <a16:creationId xmlns:a16="http://schemas.microsoft.com/office/drawing/2014/main" id="{FEDE051B-F8B5-44FA-92B9-194DC909DE38}"/>
               </a:ext>
             </a:extLst>
           </p:cNvPr>
@@ -16694,8 +16852,8 @@
         </p:nvSpPr>
         <p:spPr>
           <a:xfrm>
-            <a:off x="1896272" y="5514242"/>
-            <a:ext cx="1768307" cy="369332"/>
+            <a:off x="8176974" y="3522629"/>
+            <a:ext cx="934537" cy="369332"/>
           </a:xfrm>
           <a:prstGeom prst="rect">
             <a:avLst/>
@@ -16703,18 +16861,16 @@
         </p:spPr>
         <p:style>
           <a:lnRef idx="2">
-            <a:schemeClr val="dk1">
-              <a:shade val="50000"/>
-            </a:schemeClr>
+            <a:schemeClr val="dk1"/>
           </a:lnRef>
           <a:fillRef idx="1">
-            <a:schemeClr val="dk1"/>
+            <a:schemeClr val="lt1"/>
           </a:fillRef>
           <a:effectRef idx="0">
             <a:schemeClr val="dk1"/>
           </a:effectRef>
           <a:fontRef idx="minor">
-            <a:schemeClr val="lt1"/>
+            <a:schemeClr val="dk1"/>
           </a:fontRef>
         </p:style>
         <p:txBody>
@@ -16726,48 +16882,18 @@
             <a:pPr algn="ctr"/>
             <a:r>
               <a:rPr lang="en-US" altLang="ko-KR"/>
-              <a:t>KEY</a:t>
+              <a:t>WAS</a:t>
             </a:r>
             <a:endParaRPr lang="ko-KR" altLang="en-US"/>
           </a:p>
         </p:txBody>
       </p:sp>
-      <p:pic>
-        <p:nvPicPr>
-          <p:cNvPr id="9" name="그림 8">
+      <p:sp>
+        <p:nvSpPr>
+          <p:cNvPr id="24" name="TextBox 23">
             <a:extLst>
               <a:ext uri="{FF2B5EF4-FFF2-40B4-BE49-F238E27FC236}">
-                <a16:creationId xmlns:a16="http://schemas.microsoft.com/office/drawing/2014/main" id="{ADF730B6-9056-47B0-BA21-0250525BD04B}"/>
-              </a:ext>
-            </a:extLst>
-          </p:cNvPr>
-          <p:cNvPicPr>
-            <a:picLocks noChangeAspect="1"/>
-          </p:cNvPicPr>
-          <p:nvPr/>
-        </p:nvPicPr>
-        <p:blipFill>
-          <a:blip r:embed="rId2"/>
-          <a:stretch>
-            <a:fillRect/>
-          </a:stretch>
-        </p:blipFill>
-        <p:spPr>
-          <a:xfrm>
-            <a:off x="7140308" y="2010867"/>
-            <a:ext cx="3467584" cy="647790"/>
-          </a:xfrm>
-          <a:prstGeom prst="rect">
-            <a:avLst/>
-          </a:prstGeom>
-        </p:spPr>
-      </p:pic>
-      <p:sp>
-        <p:nvSpPr>
-          <p:cNvPr id="8" name="TextBox 7">
-            <a:extLst>
-              <a:ext uri="{FF2B5EF4-FFF2-40B4-BE49-F238E27FC236}">
-                <a16:creationId xmlns:a16="http://schemas.microsoft.com/office/drawing/2014/main" id="{AFCE0897-74C5-4B59-A948-121B59915D6E}"/>
+                <a16:creationId xmlns:a16="http://schemas.microsoft.com/office/drawing/2014/main" id="{797358AA-6CF3-41B7-8083-FDEF1D5C283F}"/>
               </a:ext>
             </a:extLst>
           </p:cNvPr>
@@ -16776,8 +16902,58 @@
         </p:nvSpPr>
         <p:spPr>
           <a:xfrm>
-            <a:off x="4869817" y="5514242"/>
-            <a:ext cx="1768307" cy="369332"/>
+            <a:off x="10046048" y="3522629"/>
+            <a:ext cx="934537" cy="369332"/>
+          </a:xfrm>
+          <a:prstGeom prst="rect">
+            <a:avLst/>
+          </a:prstGeom>
+        </p:spPr>
+        <p:style>
+          <a:lnRef idx="2">
+            <a:schemeClr val="dk1"/>
+          </a:lnRef>
+          <a:fillRef idx="1">
+            <a:schemeClr val="lt1"/>
+          </a:fillRef>
+          <a:effectRef idx="0">
+            <a:schemeClr val="dk1"/>
+          </a:effectRef>
+          <a:fontRef idx="minor">
+            <a:schemeClr val="dk1"/>
+          </a:fontRef>
+        </p:style>
+        <p:txBody>
+          <a:bodyPr wrap="square" rtlCol="0">
+            <a:spAutoFit/>
+          </a:bodyPr>
+          <a:lstStyle/>
+          <a:p>
+            <a:pPr algn="ctr"/>
+            <a:r>
+              <a:rPr lang="en-US" altLang="ko-KR"/>
+              <a:t>DBMS</a:t>
+            </a:r>
+            <a:endParaRPr lang="ko-KR" altLang="en-US"/>
+          </a:p>
+        </p:txBody>
+      </p:sp>
+      <p:sp>
+        <p:nvSpPr>
+          <p:cNvPr id="25" name="TextBox 24">
+            <a:extLst>
+              <a:ext uri="{FF2B5EF4-FFF2-40B4-BE49-F238E27FC236}">
+                <a16:creationId xmlns:a16="http://schemas.microsoft.com/office/drawing/2014/main" id="{E447764D-DDD9-4AC2-81AC-08D31ABB3175}"/>
+              </a:ext>
+            </a:extLst>
+          </p:cNvPr>
+          <p:cNvSpPr txBox="1"/>
+          <p:nvPr/>
+        </p:nvSpPr>
+        <p:spPr>
+          <a:xfrm>
+            <a:off x="8176974" y="4226924"/>
+            <a:ext cx="934537" cy="369332"/>
           </a:xfrm>
           <a:prstGeom prst="rect">
             <a:avLst/>
@@ -16808,13 +16984,141 @@
             <a:pPr algn="ctr"/>
             <a:r>
               <a:rPr lang="ko-KR" altLang="en-US"/>
-              <a:t>암호화된 </a:t>
+              <a:t>비밀키</a:t>
             </a:r>
+          </a:p>
+        </p:txBody>
+      </p:sp>
+      <p:sp>
+        <p:nvSpPr>
+          <p:cNvPr id="26" name="TextBox 25">
+            <a:extLst>
+              <a:ext uri="{FF2B5EF4-FFF2-40B4-BE49-F238E27FC236}">
+                <a16:creationId xmlns:a16="http://schemas.microsoft.com/office/drawing/2014/main" id="{F852CDE4-0F9A-403A-A516-A7ADB28E9FD4}"/>
+              </a:ext>
+            </a:extLst>
+          </p:cNvPr>
+          <p:cNvSpPr txBox="1"/>
+          <p:nvPr/>
+        </p:nvSpPr>
+        <p:spPr>
+          <a:xfrm>
+            <a:off x="8068631" y="4931219"/>
+            <a:ext cx="1151221" cy="1061829"/>
+          </a:xfrm>
+          <a:prstGeom prst="rect">
+            <a:avLst/>
+          </a:prstGeom>
+        </p:spPr>
+        <p:style>
+          <a:lnRef idx="2">
+            <a:schemeClr val="dk1">
+              <a:shade val="50000"/>
+            </a:schemeClr>
+          </a:lnRef>
+          <a:fillRef idx="1">
+            <a:schemeClr val="dk1"/>
+          </a:fillRef>
+          <a:effectRef idx="0">
+            <a:schemeClr val="dk1"/>
+          </a:effectRef>
+          <a:fontRef idx="minor">
+            <a:schemeClr val="lt1"/>
+          </a:fontRef>
+        </p:style>
+        <p:txBody>
+          <a:bodyPr wrap="square" rtlCol="0">
+            <a:spAutoFit/>
+          </a:bodyPr>
+          <a:lstStyle/>
+          <a:p>
+            <a:pPr algn="ctr"/>
             <a:r>
-              <a:rPr lang="en-US" altLang="ko-KR"/>
-              <a:t>KEY</a:t>
+              <a:rPr lang="ko-KR" altLang="en-US" sz="1050"/>
+              <a:t>스토리지에</a:t>
             </a:r>
-            <a:endParaRPr lang="ko-KR" altLang="en-US"/>
+            <a:endParaRPr lang="en-US" altLang="ko-KR" sz="1050"/>
+          </a:p>
+          <a:p>
+            <a:pPr algn="ctr"/>
+            <a:r>
+              <a:rPr lang="ko-KR" altLang="en-US" sz="1050"/>
+              <a:t>저장된</a:t>
+            </a:r>
+            <a:endParaRPr lang="en-US" altLang="ko-KR" sz="1050"/>
+          </a:p>
+          <a:p>
+            <a:pPr algn="ctr"/>
+            <a:r>
+              <a:rPr lang="ko-KR" altLang="en-US" sz="1050"/>
+              <a:t>비밀키를 복호화 할 수 있는</a:t>
+            </a:r>
+            <a:endParaRPr lang="en-US" altLang="ko-KR" sz="1050"/>
+          </a:p>
+          <a:p>
+            <a:pPr algn="ctr"/>
+            <a:r>
+              <a:rPr lang="ko-KR" altLang="en-US" sz="1050"/>
+              <a:t>다른 비밀키</a:t>
+            </a:r>
+          </a:p>
+        </p:txBody>
+      </p:sp>
+      <p:sp>
+        <p:nvSpPr>
+          <p:cNvPr id="27" name="TextBox 26">
+            <a:extLst>
+              <a:ext uri="{FF2B5EF4-FFF2-40B4-BE49-F238E27FC236}">
+                <a16:creationId xmlns:a16="http://schemas.microsoft.com/office/drawing/2014/main" id="{7C099B09-6608-40F5-BC1C-D14943614F93}"/>
+              </a:ext>
+            </a:extLst>
+          </p:cNvPr>
+          <p:cNvSpPr txBox="1"/>
+          <p:nvPr/>
+        </p:nvSpPr>
+        <p:spPr>
+          <a:xfrm>
+            <a:off x="10062313" y="4226924"/>
+            <a:ext cx="1151221" cy="738664"/>
+          </a:xfrm>
+          <a:prstGeom prst="rect">
+            <a:avLst/>
+          </a:prstGeom>
+        </p:spPr>
+        <p:style>
+          <a:lnRef idx="2">
+            <a:schemeClr val="dk1">
+              <a:shade val="50000"/>
+            </a:schemeClr>
+          </a:lnRef>
+          <a:fillRef idx="1">
+            <a:schemeClr val="dk1"/>
+          </a:fillRef>
+          <a:effectRef idx="0">
+            <a:schemeClr val="dk1"/>
+          </a:effectRef>
+          <a:fontRef idx="minor">
+            <a:schemeClr val="lt1"/>
+          </a:fontRef>
+        </p:style>
+        <p:txBody>
+          <a:bodyPr wrap="square" rtlCol="0">
+            <a:spAutoFit/>
+          </a:bodyPr>
+          <a:lstStyle/>
+          <a:p>
+            <a:pPr algn="ctr"/>
+            <a:r>
+              <a:rPr lang="ko-KR" altLang="en-US" sz="1050"/>
+              <a:t>스토리지에</a:t>
+            </a:r>
+            <a:br>
+              <a:rPr lang="en-US" altLang="ko-KR" sz="1050"/>
+            </a:br>
+            <a:r>
+              <a:rPr lang="ko-KR" altLang="en-US" sz="1050"/>
+              <a:t>저장된 암호화된 비밀키</a:t>
+            </a:r>
           </a:p>
         </p:txBody>
       </p:sp>
